--- a/slide/8_Multiple_Regression_Model_and_Interpretation.pptx
+++ b/slide/8_Multiple_Regression_Model_and_Interpretation.pptx
@@ -144,7 +144,7 @@
 <file path=ppt/revisionInfo.xml><?xml version="1.0" encoding="utf-8"?>
 <p1510:revInfo xmlns:a="http://schemas.openxmlformats.org/drawingml/2006/main" xmlns:r="http://schemas.openxmlformats.org/officeDocument/2006/relationships" xmlns:p1510="http://schemas.microsoft.com/office/powerpoint/2015/10/main">
   <p1510:revLst>
-    <p1510:client id="{DEBA5F78-4F38-DE42-BF43-A4A6234E07D3}" v="1" dt="2025-04-24T20:59:57.394"/>
+    <p1510:client id="{E968DF67-62DC-464C-B911-664EBD801478}" v="2" dt="2025-04-29T00:51:03.781"/>
   </p1510:revLst>
 </p1510:revInfo>
 </file>
@@ -797,6 +797,30 @@
       </pc:sldChg>
     </pc:docChg>
   </pc:docChgLst>
+  <pc:docChgLst>
+    <pc:chgData name="Sebastian Vallejo Vera" userId="661f42ee-5565-49c4-8b1d-325f2d699b91" providerId="ADAL" clId="{E968DF67-62DC-464C-B911-664EBD801478}"/>
+    <pc:docChg chg="modSld">
+      <pc:chgData name="Sebastian Vallejo Vera" userId="661f42ee-5565-49c4-8b1d-325f2d699b91" providerId="ADAL" clId="{E968DF67-62DC-464C-B911-664EBD801478}" dt="2025-04-29T00:51:03.781" v="1" actId="20577"/>
+      <pc:docMkLst>
+        <pc:docMk/>
+      </pc:docMkLst>
+      <pc:sldChg chg="modSp">
+        <pc:chgData name="Sebastian Vallejo Vera" userId="661f42ee-5565-49c4-8b1d-325f2d699b91" providerId="ADAL" clId="{E968DF67-62DC-464C-B911-664EBD801478}" dt="2025-04-29T00:51:03.781" v="1" actId="20577"/>
+        <pc:sldMkLst>
+          <pc:docMk/>
+          <pc:sldMk cId="2550351299" sldId="271"/>
+        </pc:sldMkLst>
+        <pc:spChg chg="mod">
+          <ac:chgData name="Sebastian Vallejo Vera" userId="661f42ee-5565-49c4-8b1d-325f2d699b91" providerId="ADAL" clId="{E968DF67-62DC-464C-B911-664EBD801478}" dt="2025-04-29T00:51:03.781" v="1" actId="20577"/>
+          <ac:spMkLst>
+            <pc:docMk/>
+            <pc:sldMk cId="2550351299" sldId="271"/>
+            <ac:spMk id="3" creationId="{877698F5-E9FB-9C14-5C09-6584F0475ABC}"/>
+          </ac:spMkLst>
+        </pc:spChg>
+      </pc:sldChg>
+    </pc:docChg>
+  </pc:docChgLst>
 </pc:chgInfo>
 </file>
 
@@ -2011,7 +2035,7 @@
           <a:p>
             <a:fld id="{16CE653E-820B-3E49-8009-2549E0A9130D}" type="datetimeFigureOut">
               <a:rPr lang="en-US" smtClean="0"/>
-              <a:t>4/24/25</a:t>
+              <a:t>4/28/25</a:t>
             </a:fld>
             <a:endParaRPr lang="en-US"/>
           </a:p>
@@ -2249,7 +2273,7 @@
           <a:p>
             <a:fld id="{16CE653E-820B-3E49-8009-2549E0A9130D}" type="datetimeFigureOut">
               <a:rPr lang="en-US" smtClean="0"/>
-              <a:t>4/24/25</a:t>
+              <a:t>4/28/25</a:t>
             </a:fld>
             <a:endParaRPr lang="en-US"/>
           </a:p>
@@ -2429,7 +2453,7 @@
           <a:p>
             <a:fld id="{16CE653E-820B-3E49-8009-2549E0A9130D}" type="datetimeFigureOut">
               <a:rPr lang="en-US" smtClean="0"/>
-              <a:t>4/24/25</a:t>
+              <a:t>4/28/25</a:t>
             </a:fld>
             <a:endParaRPr lang="en-US"/>
           </a:p>
@@ -2599,7 +2623,7 @@
           <a:p>
             <a:fld id="{16CE653E-820B-3E49-8009-2549E0A9130D}" type="datetimeFigureOut">
               <a:rPr lang="en-US" smtClean="0"/>
-              <a:t>4/24/25</a:t>
+              <a:t>4/28/25</a:t>
             </a:fld>
             <a:endParaRPr lang="en-US"/>
           </a:p>
@@ -2875,7 +2899,7 @@
           <a:p>
             <a:fld id="{16CE653E-820B-3E49-8009-2549E0A9130D}" type="datetimeFigureOut">
               <a:rPr lang="en-US" smtClean="0"/>
-              <a:t>4/24/25</a:t>
+              <a:t>4/28/25</a:t>
             </a:fld>
             <a:endParaRPr lang="en-US"/>
           </a:p>
@@ -4076,7 +4100,7 @@
           <a:p>
             <a:fld id="{16CE653E-820B-3E49-8009-2549E0A9130D}" type="datetimeFigureOut">
               <a:rPr lang="en-US" smtClean="0"/>
-              <a:t>4/24/25</a:t>
+              <a:t>4/28/25</a:t>
             </a:fld>
             <a:endParaRPr lang="en-US"/>
           </a:p>
@@ -4466,7 +4490,7 @@
           <a:p>
             <a:fld id="{16CE653E-820B-3E49-8009-2549E0A9130D}" type="datetimeFigureOut">
               <a:rPr lang="en-US" smtClean="0"/>
-              <a:t>4/24/25</a:t>
+              <a:t>4/28/25</a:t>
             </a:fld>
             <a:endParaRPr lang="en-US"/>
           </a:p>
@@ -4589,7 +4613,7 @@
           <a:p>
             <a:fld id="{16CE653E-820B-3E49-8009-2549E0A9130D}" type="datetimeFigureOut">
               <a:rPr lang="en-US" smtClean="0"/>
-              <a:t>4/24/25</a:t>
+              <a:t>4/28/25</a:t>
             </a:fld>
             <a:endParaRPr lang="en-US"/>
           </a:p>
@@ -4684,7 +4708,7 @@
           <a:p>
             <a:fld id="{16CE653E-820B-3E49-8009-2549E0A9130D}" type="datetimeFigureOut">
               <a:rPr lang="en-US" smtClean="0"/>
-              <a:t>4/24/25</a:t>
+              <a:t>4/28/25</a:t>
             </a:fld>
             <a:endParaRPr lang="en-US"/>
           </a:p>
@@ -5447,7 +5471,7 @@
           <a:p>
             <a:fld id="{16CE653E-820B-3E49-8009-2549E0A9130D}" type="datetimeFigureOut">
               <a:rPr lang="en-US" smtClean="0"/>
-              <a:t>4/24/25</a:t>
+              <a:t>4/28/25</a:t>
             </a:fld>
             <a:endParaRPr lang="en-US"/>
           </a:p>
@@ -6287,7 +6311,7 @@
           <a:p>
             <a:fld id="{16CE653E-820B-3E49-8009-2549E0A9130D}" type="datetimeFigureOut">
               <a:rPr lang="en-US" smtClean="0"/>
-              <a:t>4/24/25</a:t>
+              <a:t>4/28/25</a:t>
             </a:fld>
             <a:endParaRPr lang="en-US"/>
           </a:p>
@@ -6514,7 +6538,7 @@
           <a:p>
             <a:fld id="{16CE653E-820B-3E49-8009-2549E0A9130D}" type="datetimeFigureOut">
               <a:rPr lang="en-US" smtClean="0"/>
-              <a:t>4/24/25</a:t>
+              <a:t>4/28/25</a:t>
             </a:fld>
             <a:endParaRPr lang="en-US"/>
           </a:p>
@@ -9376,8 +9400,12 @@
                   <a:buNone/>
                 </a:pPr>
                 <a:r>
+                  <a:rPr lang="en-US"/>
+                  <a:t>We </a:t>
+                </a:r>
+                <a:r>
                   <a:rPr lang="en-US" dirty="0"/>
-                  <a:t>He can demonstrate (though not here) that </a:t>
+                  <a:t>can demonstrate (though not here) that </a:t>
                 </a:r>
                 <a14:m>
                   <m:oMath xmlns:m="http://schemas.openxmlformats.org/officeDocument/2006/math">
